--- a/LECTURE_IMAGES.pptx
+++ b/LECTURE_IMAGES.pptx
@@ -251,7 +251,7 @@
             <a:fld id="{D29DC15A-4090-4097-B794-ABA400674127}" type="datetimeFigureOut">
               <a:rPr lang="he-IL" smtClean="0"/>
               <a:pPr/>
-              <a:t>ג'/חשון/תש"פ</a:t>
+              <a:t>ט'/חשון/תש"פ</a:t>
             </a:fld>
             <a:endParaRPr lang="he-IL"/>
           </a:p>
@@ -1917,7 +1917,7 @@
           <a:p>
             <a:fld id="{AD315FBC-06D1-4C64-9A6E-2B81FB3E46B1}" type="datetime8">
               <a:rPr lang="he-IL" smtClean="0"/>
-              <a:t>01 נובמבר 19</a:t>
+              <a:t>07 נובמבר 19</a:t>
             </a:fld>
             <a:endParaRPr lang="he-IL"/>
           </a:p>
@@ -2083,7 +2083,7 @@
           <a:p>
             <a:fld id="{45B074B7-8322-4F0A-92B8-F2390D0C69A6}" type="datetime8">
               <a:rPr lang="he-IL" smtClean="0"/>
-              <a:t>01 נובמבר 19</a:t>
+              <a:t>07 נובמבר 19</a:t>
             </a:fld>
             <a:endParaRPr lang="he-IL"/>
           </a:p>
@@ -2259,7 +2259,7 @@
           <a:p>
             <a:fld id="{88FA6032-37AF-4F0C-A006-C77633C6E52F}" type="datetime8">
               <a:rPr lang="he-IL" smtClean="0"/>
-              <a:t>01 נובמבר 19</a:t>
+              <a:t>07 נובמבר 19</a:t>
             </a:fld>
             <a:endParaRPr lang="he-IL"/>
           </a:p>
@@ -2503,7 +2503,7 @@
                   </a:prstClr>
                 </a:solidFill>
               </a:rPr>
-              <a:t>01 נובמבר 19</a:t>
+              <a:t>07 נובמבר 19</a:t>
             </a:fld>
             <a:endParaRPr lang="he-IL">
               <a:solidFill>
@@ -2726,7 +2726,7 @@
                   </a:prstClr>
                 </a:solidFill>
               </a:rPr>
-              <a:t>01 נובמבר 19</a:t>
+              <a:t>07 נובמבר 19</a:t>
             </a:fld>
             <a:endParaRPr lang="he-IL">
               <a:solidFill>
@@ -3003,7 +3003,7 @@
                   </a:prstClr>
                 </a:solidFill>
               </a:rPr>
-              <a:t>01 נובמבר 19</a:t>
+              <a:t>07 נובמבר 19</a:t>
             </a:fld>
             <a:endParaRPr lang="he-IL">
               <a:solidFill>
@@ -3322,7 +3322,7 @@
                   </a:prstClr>
                 </a:solidFill>
               </a:rPr>
-              <a:t>01 נובמבר 19</a:t>
+              <a:t>07 נובמבר 19</a:t>
             </a:fld>
             <a:endParaRPr lang="he-IL">
               <a:solidFill>
@@ -3775,7 +3775,7 @@
                   </a:prstClr>
                 </a:solidFill>
               </a:rPr>
-              <a:t>01 נובמבר 19</a:t>
+              <a:t>07 נובמבר 19</a:t>
             </a:fld>
             <a:endParaRPr lang="he-IL">
               <a:solidFill>
@@ -3924,7 +3924,7 @@
                   </a:prstClr>
                 </a:solidFill>
               </a:rPr>
-              <a:t>01 נובמבר 19</a:t>
+              <a:t>07 נובמבר 19</a:t>
             </a:fld>
             <a:endParaRPr lang="he-IL">
               <a:solidFill>
@@ -4050,7 +4050,7 @@
                   </a:prstClr>
                 </a:solidFill>
               </a:rPr>
-              <a:t>01 נובמבר 19</a:t>
+              <a:t>07 נובמבר 19</a:t>
             </a:fld>
             <a:endParaRPr lang="he-IL">
               <a:solidFill>
@@ -4358,7 +4358,7 @@
                   </a:prstClr>
                 </a:solidFill>
               </a:rPr>
-              <a:t>01 נובמבר 19</a:t>
+              <a:t>07 נובמבר 19</a:t>
             </a:fld>
             <a:endParaRPr lang="he-IL">
               <a:solidFill>
@@ -4538,7 +4538,7 @@
           <a:p>
             <a:fld id="{B014BBAC-6595-4D41-AC37-00DC4B2C5E19}" type="datetime8">
               <a:rPr lang="he-IL" smtClean="0"/>
-              <a:t>01 נובמבר 19</a:t>
+              <a:t>07 נובמבר 19</a:t>
             </a:fld>
             <a:endParaRPr lang="he-IL"/>
           </a:p>
@@ -4793,7 +4793,7 @@
                   </a:prstClr>
                 </a:solidFill>
               </a:rPr>
-              <a:t>01 נובמבר 19</a:t>
+              <a:t>07 נובמבר 19</a:t>
             </a:fld>
             <a:endParaRPr lang="he-IL">
               <a:solidFill>
@@ -4994,7 +4994,7 @@
                   </a:prstClr>
                 </a:solidFill>
               </a:rPr>
-              <a:t>01 נובמבר 19</a:t>
+              <a:t>07 נובמבר 19</a:t>
             </a:fld>
             <a:endParaRPr lang="he-IL">
               <a:solidFill>
@@ -5205,7 +5205,7 @@
                   </a:prstClr>
                 </a:solidFill>
               </a:rPr>
-              <a:t>01 נובמבר 19</a:t>
+              <a:t>07 נובמבר 19</a:t>
             </a:fld>
             <a:endParaRPr lang="he-IL">
               <a:solidFill>
@@ -5483,7 +5483,7 @@
                   </a:prstClr>
                 </a:solidFill>
               </a:rPr>
-              <a:t>01 נובמבר 19</a:t>
+              <a:t>07 נובמבר 19</a:t>
             </a:fld>
             <a:endParaRPr lang="en-US">
               <a:solidFill>
@@ -5699,7 +5699,7 @@
                   </a:prstClr>
                 </a:solidFill>
               </a:rPr>
-              <a:t>01 נובמבר 19</a:t>
+              <a:t>07 נובמבר 19</a:t>
             </a:fld>
             <a:endParaRPr lang="en-US">
               <a:solidFill>
@@ -5992,7 +5992,7 @@
                   </a:prstClr>
                 </a:solidFill>
               </a:rPr>
-              <a:t>01 נובמבר 19</a:t>
+              <a:t>07 נובמבר 19</a:t>
             </a:fld>
             <a:endParaRPr lang="en-US">
               <a:solidFill>
@@ -6325,7 +6325,7 @@
                   </a:prstClr>
                 </a:solidFill>
               </a:rPr>
-              <a:t>01 נובמבר 19</a:t>
+              <a:t>07 נובמבר 19</a:t>
             </a:fld>
             <a:endParaRPr lang="en-US">
               <a:solidFill>
@@ -6792,7 +6792,7 @@
                   </a:prstClr>
                 </a:solidFill>
               </a:rPr>
-              <a:t>01 נובמבר 19</a:t>
+              <a:t>07 נובמבר 19</a:t>
             </a:fld>
             <a:endParaRPr lang="en-US">
               <a:solidFill>
@@ -6957,7 +6957,7 @@
                   </a:prstClr>
                 </a:solidFill>
               </a:rPr>
-              <a:t>01 נובמבר 19</a:t>
+              <a:t>07 נובמבר 19</a:t>
             </a:fld>
             <a:endParaRPr lang="en-US">
               <a:solidFill>
@@ -7100,7 +7100,7 @@
                   </a:prstClr>
                 </a:solidFill>
               </a:rPr>
-              <a:t>01 נובמבר 19</a:t>
+              <a:t>07 נובמבר 19</a:t>
             </a:fld>
             <a:endParaRPr lang="en-US">
               <a:solidFill>
@@ -7381,7 +7381,7 @@
           <a:p>
             <a:fld id="{660B167F-C018-414C-9845-5C8F75B76ECE}" type="datetime8">
               <a:rPr lang="he-IL" smtClean="0"/>
-              <a:t>01 נובמבר 19</a:t>
+              <a:t>07 נובמבר 19</a:t>
             </a:fld>
             <a:endParaRPr lang="he-IL"/>
           </a:p>
@@ -7665,7 +7665,7 @@
                   </a:prstClr>
                 </a:solidFill>
               </a:rPr>
-              <a:t>01 נובמבר 19</a:t>
+              <a:t>07 נובמבר 19</a:t>
             </a:fld>
             <a:endParaRPr lang="en-US">
               <a:solidFill>
@@ -7968,7 +7968,7 @@
                   </a:prstClr>
                 </a:solidFill>
               </a:rPr>
-              <a:t>01 נובמבר 19</a:t>
+              <a:t>07 נובמבר 19</a:t>
             </a:fld>
             <a:endParaRPr lang="en-US">
               <a:solidFill>
@@ -8184,7 +8184,7 @@
                   </a:prstClr>
                 </a:solidFill>
               </a:rPr>
-              <a:t>01 נובמבר 19</a:t>
+              <a:t>07 נובמבר 19</a:t>
             </a:fld>
             <a:endParaRPr lang="en-US">
               <a:solidFill>
@@ -8410,7 +8410,7 @@
                   </a:prstClr>
                 </a:solidFill>
               </a:rPr>
-              <a:t>01 נובמבר 19</a:t>
+              <a:t>07 נובמבר 19</a:t>
             </a:fld>
             <a:endParaRPr lang="en-US">
               <a:solidFill>
@@ -8644,7 +8644,7 @@
                   <a:srgbClr val="000000"/>
                 </a:solidFill>
               </a:rPr>
-              <a:t>01 נובמבר 19</a:t>
+              <a:t>07 נובמבר 19</a:t>
             </a:fld>
             <a:endParaRPr lang="en-US">
               <a:solidFill>
@@ -8862,7 +8862,7 @@
                   <a:srgbClr val="000000"/>
                 </a:solidFill>
               </a:rPr>
-              <a:t>01 נובמבר 19</a:t>
+              <a:t>07 נובמבר 19</a:t>
             </a:fld>
             <a:endParaRPr lang="en-US">
               <a:solidFill>
@@ -9103,7 +9103,7 @@
                   <a:srgbClr val="000000"/>
                 </a:solidFill>
               </a:rPr>
-              <a:t>01 נובמבר 19</a:t>
+              <a:t>07 נובמבר 19</a:t>
             </a:fld>
             <a:endParaRPr lang="en-US">
               <a:solidFill>
@@ -9438,7 +9438,7 @@
                   <a:srgbClr val="000000"/>
                 </a:solidFill>
               </a:rPr>
-              <a:t>01 נובמבר 19</a:t>
+              <a:t>07 נובמבר 19</a:t>
             </a:fld>
             <a:endParaRPr lang="en-US">
               <a:solidFill>
@@ -9907,7 +9907,7 @@
                   <a:srgbClr val="000000"/>
                 </a:solidFill>
               </a:rPr>
-              <a:t>01 נובמבר 19</a:t>
+              <a:t>07 נובמבר 19</a:t>
             </a:fld>
             <a:endParaRPr lang="en-US">
               <a:solidFill>
@@ -10074,7 +10074,7 @@
                   <a:srgbClr val="000000"/>
                 </a:solidFill>
               </a:rPr>
-              <a:t>01 נובמבר 19</a:t>
+              <a:t>07 נובמבר 19</a:t>
             </a:fld>
             <a:endParaRPr lang="en-US">
               <a:solidFill>
@@ -10399,7 +10399,7 @@
           <a:p>
             <a:fld id="{010A1B43-67E0-421A-84E9-3D1E8F9E6D8A}" type="datetime8">
               <a:rPr lang="he-IL" smtClean="0"/>
-              <a:t>01 נובמבר 19</a:t>
+              <a:t>07 נובמבר 19</a:t>
             </a:fld>
             <a:endParaRPr lang="he-IL"/>
           </a:p>
@@ -10503,7 +10503,7 @@
                   <a:srgbClr val="000000"/>
                 </a:solidFill>
               </a:rPr>
-              <a:t>01 נובמבר 19</a:t>
+              <a:t>07 נובמבר 19</a:t>
             </a:fld>
             <a:endParaRPr lang="en-US">
               <a:solidFill>
@@ -10828,7 +10828,7 @@
                   <a:srgbClr val="000000"/>
                 </a:solidFill>
               </a:rPr>
-              <a:t>01 נובמבר 19</a:t>
+              <a:t>07 נובמבר 19</a:t>
             </a:fld>
             <a:endParaRPr lang="en-US">
               <a:solidFill>
@@ -11131,7 +11131,7 @@
                   <a:srgbClr val="000000"/>
                 </a:solidFill>
               </a:rPr>
-              <a:t>01 נובמבר 19</a:t>
+              <a:t>07 נובמבר 19</a:t>
             </a:fld>
             <a:endParaRPr lang="en-US">
               <a:solidFill>
@@ -11349,7 +11349,7 @@
                   <a:srgbClr val="000000"/>
                 </a:solidFill>
               </a:rPr>
-              <a:t>01 נובמבר 19</a:t>
+              <a:t>07 נובמבר 19</a:t>
             </a:fld>
             <a:endParaRPr lang="en-US">
               <a:solidFill>
@@ -11577,7 +11577,7 @@
                   <a:srgbClr val="000000"/>
                 </a:solidFill>
               </a:rPr>
-              <a:t>01 נובמבר 19</a:t>
+              <a:t>07 נובמבר 19</a:t>
             </a:fld>
             <a:endParaRPr lang="en-US">
               <a:solidFill>
@@ -11774,7 +11774,7 @@
                   <a:srgbClr val="000000"/>
                 </a:solidFill>
               </a:rPr>
-              <a:t>01 נובמבר 19</a:t>
+              <a:t>07 נובמבר 19</a:t>
             </a:fld>
             <a:endParaRPr lang="en-US">
               <a:solidFill>
@@ -12114,7 +12114,7 @@
                   <a:srgbClr val="000000"/>
                 </a:solidFill>
               </a:rPr>
-              <a:t>01 נובמבר 19</a:t>
+              <a:t>07 נובמבר 19</a:t>
             </a:fld>
             <a:endParaRPr lang="en-US">
               <a:solidFill>
@@ -12573,7 +12573,7 @@
           <a:p>
             <a:fld id="{01CACCF4-3E33-4D37-83B9-4066393A61D6}" type="datetime8">
               <a:rPr lang="he-IL" smtClean="0"/>
-              <a:t>01 נובמבר 19</a:t>
+              <a:t>07 נובמבר 19</a:t>
             </a:fld>
             <a:endParaRPr lang="he-IL"/>
           </a:p>
@@ -12687,7 +12687,7 @@
           <a:p>
             <a:fld id="{31820CA2-4737-4590-8274-7B81030039AB}" type="datetime8">
               <a:rPr lang="he-IL" smtClean="0"/>
-              <a:t>01 נובמבר 19</a:t>
+              <a:t>07 נובמבר 19</a:t>
             </a:fld>
             <a:endParaRPr lang="he-IL"/>
           </a:p>
@@ -12778,7 +12778,7 @@
           <a:p>
             <a:fld id="{091C0F16-F52B-4DAC-AB0E-6D2C365EFE88}" type="datetime8">
               <a:rPr lang="he-IL" smtClean="0"/>
-              <a:t>01 נובמבר 19</a:t>
+              <a:t>07 נובמבר 19</a:t>
             </a:fld>
             <a:endParaRPr lang="he-IL"/>
           </a:p>
@@ -13051,7 +13051,7 @@
           <a:p>
             <a:fld id="{73DC86C3-1894-4837-B615-38DC0A3F0CA8}" type="datetime8">
               <a:rPr lang="he-IL" smtClean="0"/>
-              <a:t>01 נובמבר 19</a:t>
+              <a:t>07 נובמבר 19</a:t>
             </a:fld>
             <a:endParaRPr lang="he-IL"/>
           </a:p>
@@ -13300,7 +13300,7 @@
           <a:p>
             <a:fld id="{45DE0705-BB8D-434B-921A-0C1AE9625FCA}" type="datetime8">
               <a:rPr lang="he-IL" smtClean="0"/>
-              <a:t>01 נובמבר 19</a:t>
+              <a:t>07 נובמבר 19</a:t>
             </a:fld>
             <a:endParaRPr lang="he-IL"/>
           </a:p>
@@ -13509,7 +13509,7 @@
           <a:p>
             <a:fld id="{093FC9E1-077C-4F20-B047-4D6971C26C91}" type="datetime8">
               <a:rPr lang="he-IL" smtClean="0"/>
-              <a:t>01 נובמבר 19</a:t>
+              <a:t>07 נובמבר 19</a:t>
             </a:fld>
             <a:endParaRPr lang="he-IL"/>
           </a:p>
@@ -14022,7 +14022,7 @@
                   </a:prstClr>
                 </a:solidFill>
               </a:rPr>
-              <a:t>01 נובמבר 19</a:t>
+              <a:t>07 נובמבר 19</a:t>
             </a:fld>
             <a:endParaRPr lang="he-IL">
               <a:solidFill>
@@ -14592,7 +14592,7 @@
                 <a:latin typeface="Arial" pitchFamily="34" charset="0"/>
                 <a:cs typeface="Arial" pitchFamily="34" charset="0"/>
               </a:rPr>
-              <a:t>01 נובמבר 19</a:t>
+              <a:t>07 נובמבר 19</a:t>
             </a:fld>
             <a:endParaRPr lang="en-US">
               <a:solidFill>
@@ -15338,7 +15338,7 @@
                   <a:srgbClr val="000000"/>
                 </a:solidFill>
               </a:rPr>
-              <a:t>01 נובמבר 19</a:t>
+              <a:t>07 נובמבר 19</a:t>
             </a:fld>
             <a:endParaRPr lang="en-US">
               <a:solidFill>
@@ -15898,208 +15898,6 @@
       </p:grpSpPr>
       <p:sp>
         <p:nvSpPr>
-          <p:cNvPr id="2" name="Title 1"/>
-          <p:cNvSpPr>
-            <a:spLocks noGrp="1"/>
-          </p:cNvSpPr>
-          <p:nvPr>
-            <p:ph type="ctrTitle"/>
-          </p:nvPr>
-        </p:nvSpPr>
-        <p:spPr>
-          <a:xfrm>
-            <a:off x="-36512" y="1079848"/>
-            <a:ext cx="8928992" cy="1584176"/>
-          </a:xfrm>
-        </p:spPr>
-        <p:txBody>
-          <a:bodyPr>
-            <a:normAutofit fontScale="90000"/>
-          </a:bodyPr>
-          <a:lstStyle/>
-          <a:p>
-            <a:r>
-              <a:rPr lang="en-GB" sz="5000" dirty="0">
-                <a:solidFill>
-                  <a:schemeClr val="accent4"/>
-                </a:solidFill>
-                <a:effectLst>
-                  <a:outerShdw blurRad="38100" dist="38100" dir="2700000" algn="tl">
-                    <a:srgbClr val="000000">
-                      <a:alpha val="43137"/>
-                    </a:srgbClr>
-                  </a:outerShdw>
-                </a:effectLst>
-                <a:latin typeface="Segoe UI Semibold" panose="020B0702040204020203" pitchFamily="34" charset="0"/>
-                <a:cs typeface="Segoe UI Semibold" panose="020B0702040204020203" pitchFamily="34" charset="0"/>
-              </a:rPr>
-              <a:t>Introduction to programming in </a:t>
-            </a:r>
-            <a:r>
-              <a:rPr lang="en-GB" sz="5000" dirty="0">
-                <a:solidFill>
-                  <a:srgbClr val="0070C0"/>
-                </a:solidFill>
-                <a:effectLst>
-                  <a:outerShdw blurRad="38100" dist="38100" dir="2700000" algn="tl">
-                    <a:srgbClr val="000000">
-                      <a:alpha val="43137"/>
-                    </a:srgbClr>
-                  </a:outerShdw>
-                </a:effectLst>
-                <a:latin typeface="Segoe UI Semibold" panose="020B0702040204020203" pitchFamily="34" charset="0"/>
-                <a:cs typeface="Segoe UI Semibold" panose="020B0702040204020203" pitchFamily="34" charset="0"/>
-              </a:rPr>
-              <a:t>Python</a:t>
-            </a:r>
-            <a:r>
-              <a:rPr lang="en-GB" sz="5000" dirty="0">
-                <a:solidFill>
-                  <a:schemeClr val="accent4"/>
-                </a:solidFill>
-                <a:effectLst>
-                  <a:outerShdw blurRad="38100" dist="38100" dir="2700000" algn="tl">
-                    <a:srgbClr val="000000">
-                      <a:alpha val="43137"/>
-                    </a:srgbClr>
-                  </a:outerShdw>
-                </a:effectLst>
-                <a:latin typeface="Segoe UI Semibold" panose="020B0702040204020203" pitchFamily="34" charset="0"/>
-                <a:cs typeface="Segoe UI Semibold" panose="020B0702040204020203" pitchFamily="34" charset="0"/>
-              </a:rPr>
-              <a:t> </a:t>
-            </a:r>
-            <a:endParaRPr lang="he-IL" sz="5000" dirty="0">
-              <a:solidFill>
-                <a:schemeClr val="accent4"/>
-              </a:solidFill>
-              <a:effectLst>
-                <a:outerShdw blurRad="38100" dist="38100" dir="2700000" algn="tl">
-                  <a:srgbClr val="000000">
-                    <a:alpha val="43137"/>
-                  </a:srgbClr>
-                </a:outerShdw>
-              </a:effectLst>
-              <a:latin typeface="Segoe UI Semibold" panose="020B0702040204020203" pitchFamily="34" charset="0"/>
-              <a:cs typeface="Segoe UI Semibold" panose="020B0702040204020203" pitchFamily="34" charset="0"/>
-            </a:endParaRPr>
-          </a:p>
-        </p:txBody>
-      </p:sp>
-      <p:sp>
-        <p:nvSpPr>
-          <p:cNvPr id="3" name="Subtitle 2"/>
-          <p:cNvSpPr>
-            <a:spLocks noGrp="1"/>
-          </p:cNvSpPr>
-          <p:nvPr>
-            <p:ph type="subTitle" idx="1"/>
-          </p:nvPr>
-        </p:nvSpPr>
-        <p:spPr>
-          <a:xfrm>
-            <a:off x="179512" y="2520008"/>
-            <a:ext cx="8496944" cy="2376264"/>
-          </a:xfrm>
-        </p:spPr>
-        <p:txBody>
-          <a:bodyPr>
-            <a:normAutofit fontScale="92500" lnSpcReduction="10000"/>
-          </a:bodyPr>
-          <a:lstStyle/>
-          <a:p>
-            <a:endParaRPr lang="en-US" b="1" dirty="0">
-              <a:solidFill>
-                <a:srgbClr val="003399"/>
-              </a:solidFill>
-              <a:latin typeface="Times New Roman" pitchFamily="18" charset="0"/>
-              <a:cs typeface="Times New Roman" pitchFamily="18" charset="0"/>
-            </a:endParaRPr>
-          </a:p>
-          <a:p>
-            <a:r>
-              <a:rPr lang="en-US" b="1" dirty="0">
-                <a:solidFill>
-                  <a:srgbClr val="00B0F0"/>
-                </a:solidFill>
-                <a:effectLst>
-                  <a:outerShdw blurRad="38100" dist="38100" dir="2700000" algn="tl">
-                    <a:srgbClr val="000000">
-                      <a:alpha val="43137"/>
-                    </a:srgbClr>
-                  </a:outerShdw>
-                </a:effectLst>
-                <a:latin typeface="Times New Roman" pitchFamily="18" charset="0"/>
-                <a:cs typeface="Times New Roman" pitchFamily="18" charset="0"/>
-              </a:rPr>
-              <a:t>Fall 2018-19</a:t>
-            </a:r>
-          </a:p>
-          <a:p>
-            <a:r>
-              <a:rPr lang="en-US" sz="2800" b="1" dirty="0">
-                <a:solidFill>
-                  <a:schemeClr val="tx2"/>
-                </a:solidFill>
-                <a:latin typeface="Times New Roman" pitchFamily="18" charset="0"/>
-                <a:cs typeface="Times New Roman" pitchFamily="18" charset="0"/>
-              </a:rPr>
-              <a:t>Department of Software and Information Systems Engineering</a:t>
-            </a:r>
-          </a:p>
-          <a:p>
-            <a:r>
-              <a:rPr lang="en-US" sz="2800" b="1" dirty="0">
-                <a:solidFill>
-                  <a:schemeClr val="tx2"/>
-                </a:solidFill>
-                <a:latin typeface="Times New Roman" pitchFamily="18" charset="0"/>
-                <a:cs typeface="Times New Roman" pitchFamily="18" charset="0"/>
-              </a:rPr>
-              <a:t>Ben-Gurion University of the Negev</a:t>
-            </a:r>
-            <a:endParaRPr lang="en-US" sz="2800" b="1" dirty="0">
-              <a:solidFill>
-                <a:srgbClr val="003399"/>
-              </a:solidFill>
-              <a:latin typeface="Times New Roman" pitchFamily="18" charset="0"/>
-              <a:cs typeface="Times New Roman" pitchFamily="18" charset="0"/>
-            </a:endParaRPr>
-          </a:p>
-        </p:txBody>
-      </p:sp>
-      <p:pic>
-        <p:nvPicPr>
-          <p:cNvPr id="4" name="Picture 3"/>
-          <p:cNvPicPr>
-            <a:picLocks noChangeAspect="1"/>
-          </p:cNvPicPr>
-          <p:nvPr/>
-        </p:nvPicPr>
-        <p:blipFill>
-          <a:blip r:embed="rId3">
-            <a:extLst>
-              <a:ext uri="{28A0092B-C50C-407E-A947-70E740481C1C}">
-                <a14:useLocalDpi xmlns:a14="http://schemas.microsoft.com/office/drawing/2010/main" val="0"/>
-              </a:ext>
-            </a:extLst>
-          </a:blip>
-          <a:stretch>
-            <a:fillRect/>
-          </a:stretch>
-        </p:blipFill>
-        <p:spPr>
-          <a:xfrm>
-            <a:off x="1978397" y="188640"/>
-            <a:ext cx="5038725" cy="904875"/>
-          </a:xfrm>
-          <a:prstGeom prst="rect">
-            <a:avLst/>
-          </a:prstGeom>
-        </p:spPr>
-      </p:pic>
-      <p:sp>
-        <p:nvSpPr>
           <p:cNvPr id="7" name="Subtitle 2"/>
           <p:cNvSpPr txBox="1">
             <a:spLocks/>
@@ -16108,7 +15906,7 @@
         </p:nvSpPr>
         <p:spPr bwMode="auto">
           <a:xfrm>
-            <a:off x="179512" y="5229200"/>
+            <a:off x="-684584" y="2204864"/>
             <a:ext cx="8712968" cy="1368152"/>
           </a:xfrm>
           <a:prstGeom prst="rect">
@@ -16268,6 +16066,7 @@
             </a:lvl9pPr>
           </a:lstStyle>
           <a:p>
+            <a:pPr algn="r"/>
             <a:r>
               <a:rPr lang="en-US" sz="3800" b="1" kern="0" dirty="0">
                 <a:solidFill>
@@ -16276,7 +16075,7 @@
                 <a:latin typeface="Times New Roman" pitchFamily="18" charset="0"/>
                 <a:cs typeface="Times New Roman" pitchFamily="18" charset="0"/>
               </a:rPr>
-              <a:t>Lecture 21: </a:t>
+              <a:t>Lecture : </a:t>
             </a:r>
             <a:r>
               <a:rPr lang="en-US" sz="3800" b="1" kern="0" dirty="0">
@@ -16286,7 +16085,7 @@
                 <a:latin typeface="Times New Roman" pitchFamily="18" charset="0"/>
                 <a:cs typeface="Times New Roman" pitchFamily="18" charset="0"/>
               </a:rPr>
-              <a:t>Higher order functions continued, representing images</a:t>
+              <a:t>Representing images</a:t>
             </a:r>
           </a:p>
         </p:txBody>
@@ -19208,7 +19007,7 @@
           <a:sp3d contourW="6350" prstMaterial="metal"/>
           <a:extLst>
             <a:ext uri="{AF507438-7753-43e0-B8FC-AC1667EBCBE1}">
-              <a14:hiddenEffects xmlns:a14="http://schemas.microsoft.com/office/drawing/2010/main" xmlns="">
+              <a14:hiddenEffects xmlns="" xmlns:a14="http://schemas.microsoft.com/office/drawing/2010/main">
                 <a:effectLst>
                   <a:outerShdw dist="35921" dir="2700000" algn="ctr" rotWithShape="0">
                     <a:schemeClr val="bg2"/>
@@ -19535,7 +19334,7 @@
           <a:sp3d contourW="6350" prstMaterial="metal"/>
           <a:extLst>
             <a:ext uri="{AF507438-7753-43e0-B8FC-AC1667EBCBE1}">
-              <a14:hiddenEffects xmlns:a14="http://schemas.microsoft.com/office/drawing/2010/main" xmlns="">
+              <a14:hiddenEffects xmlns="" xmlns:a14="http://schemas.microsoft.com/office/drawing/2010/main">
                 <a:effectLst>
                   <a:outerShdw dist="35921" dir="2700000" algn="ctr" rotWithShape="0">
                     <a:schemeClr val="bg2"/>
@@ -20873,7 +20672,7 @@
           <a:sp3d contourW="6350" prstMaterial="metal"/>
           <a:extLst>
             <a:ext uri="{AF507438-7753-43e0-B8FC-AC1667EBCBE1}">
-              <a14:hiddenEffects xmlns:a14="http://schemas.microsoft.com/office/drawing/2010/main" xmlns="">
+              <a14:hiddenEffects xmlns="" xmlns:a14="http://schemas.microsoft.com/office/drawing/2010/main">
                 <a:effectLst>
                   <a:outerShdw dist="35921" dir="2700000" algn="ctr" rotWithShape="0">
                     <a:schemeClr val="bg2"/>
@@ -20990,7 +20789,7 @@
           <a:sp3d contourW="6350" prstMaterial="metal"/>
           <a:extLst>
             <a:ext uri="{AF507438-7753-43e0-B8FC-AC1667EBCBE1}">
-              <a14:hiddenEffects xmlns:a14="http://schemas.microsoft.com/office/drawing/2010/main" xmlns="">
+              <a14:hiddenEffects xmlns="" xmlns:a14="http://schemas.microsoft.com/office/drawing/2010/main">
                 <a:effectLst>
                   <a:outerShdw dist="35921" dir="2700000" algn="ctr" rotWithShape="0">
                     <a:schemeClr val="bg2"/>
@@ -21098,7 +20897,7 @@
           <a:sp3d contourW="6350" prstMaterial="metal"/>
           <a:extLst>
             <a:ext uri="{AF507438-7753-43e0-B8FC-AC1667EBCBE1}">
-              <a14:hiddenEffects xmlns:a14="http://schemas.microsoft.com/office/drawing/2010/main" xmlns="">
+              <a14:hiddenEffects xmlns="" xmlns:a14="http://schemas.microsoft.com/office/drawing/2010/main">
                 <a:effectLst>
                   <a:outerShdw dist="35921" dir="2700000" algn="ctr" rotWithShape="0">
                     <a:schemeClr val="bg2"/>
@@ -21467,7 +21266,7 @@
           <a:sp3d contourW="6350" prstMaterial="metal"/>
           <a:extLst>
             <a:ext uri="{AF507438-7753-43e0-B8FC-AC1667EBCBE1}">
-              <a14:hiddenEffects xmlns:a14="http://schemas.microsoft.com/office/drawing/2010/main" xmlns="">
+              <a14:hiddenEffects xmlns="" xmlns:a14="http://schemas.microsoft.com/office/drawing/2010/main">
                 <a:effectLst>
                   <a:outerShdw dist="35921" dir="2700000" algn="ctr" rotWithShape="0">
                     <a:schemeClr val="bg2"/>
@@ -21584,7 +21383,7 @@
           <a:sp3d contourW="6350" prstMaterial="metal"/>
           <a:extLst>
             <a:ext uri="{AF507438-7753-43e0-B8FC-AC1667EBCBE1}">
-              <a14:hiddenEffects xmlns:a14="http://schemas.microsoft.com/office/drawing/2010/main" xmlns="">
+              <a14:hiddenEffects xmlns="" xmlns:a14="http://schemas.microsoft.com/office/drawing/2010/main">
                 <a:effectLst>
                   <a:outerShdw dist="35921" dir="2700000" algn="ctr" rotWithShape="0">
                     <a:schemeClr val="bg2"/>
@@ -23656,7 +23455,7 @@
           <a:sp3d contourW="6350" prstMaterial="metal"/>
           <a:extLst>
             <a:ext uri="{AF507438-7753-43e0-B8FC-AC1667EBCBE1}">
-              <a14:hiddenEffects xmlns:a14="http://schemas.microsoft.com/office/drawing/2010/main" xmlns="">
+              <a14:hiddenEffects xmlns="" xmlns:a14="http://schemas.microsoft.com/office/drawing/2010/main">
                 <a:effectLst>
                   <a:outerShdw dist="35921" dir="2700000" algn="ctr" rotWithShape="0">
                     <a:schemeClr val="bg2"/>
@@ -33243,7 +33042,7 @@
           <a:sp3d contourW="6350" prstMaterial="metal"/>
           <a:extLst>
             <a:ext uri="{AF507438-7753-43e0-B8FC-AC1667EBCBE1}">
-              <a14:hiddenEffects xmlns:a14="http://schemas.microsoft.com/office/drawing/2010/main" xmlns="">
+              <a14:hiddenEffects xmlns="" xmlns:a14="http://schemas.microsoft.com/office/drawing/2010/main">
                 <a:effectLst>
                   <a:outerShdw dist="35921" dir="2700000" algn="ctr" rotWithShape="0">
                     <a:schemeClr val="bg2"/>
@@ -33350,7 +33149,7 @@
           <a:sp3d contourW="6350" prstMaterial="metal"/>
           <a:extLst>
             <a:ext uri="{AF507438-7753-43e0-B8FC-AC1667EBCBE1}">
-              <a14:hiddenEffects xmlns:a14="http://schemas.microsoft.com/office/drawing/2010/main" xmlns="">
+              <a14:hiddenEffects xmlns="" xmlns:a14="http://schemas.microsoft.com/office/drawing/2010/main">
                 <a:effectLst>
                   <a:outerShdw dist="35921" dir="2700000" algn="ctr" rotWithShape="0">
                     <a:schemeClr val="bg2"/>
